--- a/materials/EdMeasurement and Item Development_Day5_Revised.pptx
+++ b/materials/EdMeasurement and Item Development_Day5_Revised.pptx
@@ -27349,7 +27349,7 @@
           <a:p>
             <a:r>
               <a:rPr lang="en-GB" dirty="0"/>
-              <a:t>Session 3</a:t>
+              <a:t>Session 3/4</a:t>
             </a:r>
           </a:p>
         </p:txBody>
@@ -27381,7 +27381,7 @@
                 <a:latin typeface="Calibri" panose="020F0502020204030204" pitchFamily="34" charset="0"/>
                 <a:ea typeface="PMingLiU" panose="02020500000000000000" pitchFamily="18" charset="-120"/>
               </a:rPr>
-              <a:t>Workshop summary, final questions and closing.</a:t>
+              <a:t>Workshop summary, final questions, lessons learned, and closing.</a:t>
             </a:r>
             <a:endParaRPr lang="en-GB" dirty="0"/>
           </a:p>
@@ -27835,8 +27835,13 @@
             </a:pPr>
             <a:r>
               <a:rPr lang="en-GB" sz="2800" dirty="0"/>
-              <a:t>Is it a process you could see implementing at IAVE?</a:t>
-            </a:r>
+              <a:t>Is it a process you could </a:t>
+            </a:r>
+            <a:r>
+              <a:rPr lang="en-GB" sz="2800"/>
+              <a:t>see implementing?</a:t>
+            </a:r>
+            <a:endParaRPr lang="en-GB" sz="2800" dirty="0"/>
           </a:p>
         </p:txBody>
       </p:sp>
@@ -29878,6 +29883,26 @@
 </file>
 
 <file path=customXml/item1.xml><?xml version="1.0" encoding="utf-8"?>
+<p:properties xmlns:p="http://schemas.microsoft.com/office/2006/metadata/properties" xmlns:xsi="http://www.w3.org/2001/XMLSchema-instance" xmlns:pc="http://schemas.microsoft.com/office/infopath/2007/PartnerControls">
+  <documentManagement>
+    <lcf76f155ced4ddcb4097134ff3c332f xmlns="f48e0371-e5a1-4434-9921-99c130702a89">
+      <Terms xmlns="http://schemas.microsoft.com/office/infopath/2007/PartnerControls"/>
+    </lcf76f155ced4ddcb4097134ff3c332f>
+    <TaxCatchAll xmlns="f1524577-e775-4792-9e02-59d88675d35f" xsi:nil="true"/>
+  </documentManagement>
+</p:properties>
+</file>
+
+<file path=customXml/item2.xml><?xml version="1.0" encoding="utf-8"?>
+<?mso-contentType ?>
+<FormTemplates xmlns="http://schemas.microsoft.com/sharepoint/v3/contenttype/forms">
+  <Display>DocumentLibraryForm</Display>
+  <Edit>DocumentLibraryForm</Edit>
+  <New>DocumentLibraryForm</New>
+</FormTemplates>
+</file>
+
+<file path=customXml/item3.xml><?xml version="1.0" encoding="utf-8"?>
 <ct:contentTypeSchema xmlns:ct="http://schemas.microsoft.com/office/2006/metadata/contentType" xmlns:ma="http://schemas.microsoft.com/office/2006/metadata/properties/metaAttributes" ct:_="" ma:_="" ma:contentTypeName="Document" ma:contentTypeID="0x010100A9CE1C22E302D54A92E3B27F42531170" ma:contentTypeVersion="18" ma:contentTypeDescription="Create a new document." ma:contentTypeScope="" ma:versionID="e7baf0caf837d1a6ee69fbbb52e60e83">
   <xsd:schema xmlns:xsd="http://www.w3.org/2001/XMLSchema" xmlns:xs="http://www.w3.org/2001/XMLSchema" xmlns:p="http://schemas.microsoft.com/office/2006/metadata/properties" xmlns:ns2="f48e0371-e5a1-4434-9921-99c130702a89" xmlns:ns3="f1524577-e775-4792-9e02-59d88675d35f" targetNamespace="http://schemas.microsoft.com/office/2006/metadata/properties" ma:root="true" ma:fieldsID="c393747ab2179622d80a78a13a0c22e4" ns2:_="" ns3:_="">
     <xsd:import namespace="f48e0371-e5a1-4434-9921-99c130702a89"/>
@@ -30132,27 +30157,32 @@
 </ct:contentTypeSchema>
 </file>
 
-<file path=customXml/item2.xml><?xml version="1.0" encoding="utf-8"?>
-<?mso-contentType ?>
-<FormTemplates xmlns="http://schemas.microsoft.com/sharepoint/v3/contenttype/forms">
-  <Display>DocumentLibraryForm</Display>
-  <Edit>DocumentLibraryForm</Edit>
-  <New>DocumentLibraryForm</New>
-</FormTemplates>
+<file path=customXml/itemProps1.xml><?xml version="1.0" encoding="utf-8"?>
+<ds:datastoreItem xmlns:ds="http://schemas.openxmlformats.org/officeDocument/2006/customXml" ds:itemID="{E63F9314-2156-4A26-9C7B-3A436590D2E6}">
+  <ds:schemaRefs>
+    <ds:schemaRef ds:uri="http://schemas.microsoft.com/office/2006/documentManagement/types"/>
+    <ds:schemaRef ds:uri="http://www.w3.org/XML/1998/namespace"/>
+    <ds:schemaRef ds:uri="http://schemas.microsoft.com/office/2006/metadata/properties"/>
+    <ds:schemaRef ds:uri="http://purl.org/dc/elements/1.1/"/>
+    <ds:schemaRef ds:uri="http://schemas.openxmlformats.org/package/2006/metadata/core-properties"/>
+    <ds:schemaRef ds:uri="http://purl.org/dc/terms/"/>
+    <ds:schemaRef ds:uri="http://schemas.microsoft.com/office/infopath/2007/PartnerControls"/>
+    <ds:schemaRef ds:uri="f1524577-e775-4792-9e02-59d88675d35f"/>
+    <ds:schemaRef ds:uri="f48e0371-e5a1-4434-9921-99c130702a89"/>
+    <ds:schemaRef ds:uri="http://purl.org/dc/dcmitype/"/>
+  </ds:schemaRefs>
+</ds:datastoreItem>
 </file>
 
-<file path=customXml/item3.xml><?xml version="1.0" encoding="utf-8"?>
-<p:properties xmlns:p="http://schemas.microsoft.com/office/2006/metadata/properties" xmlns:xsi="http://www.w3.org/2001/XMLSchema-instance" xmlns:pc="http://schemas.microsoft.com/office/infopath/2007/PartnerControls">
-  <documentManagement>
-    <lcf76f155ced4ddcb4097134ff3c332f xmlns="f48e0371-e5a1-4434-9921-99c130702a89">
-      <Terms xmlns="http://schemas.microsoft.com/office/infopath/2007/PartnerControls"/>
-    </lcf76f155ced4ddcb4097134ff3c332f>
-    <TaxCatchAll xmlns="f1524577-e775-4792-9e02-59d88675d35f" xsi:nil="true"/>
-  </documentManagement>
-</p:properties>
+<file path=customXml/itemProps2.xml><?xml version="1.0" encoding="utf-8"?>
+<ds:datastoreItem xmlns:ds="http://schemas.openxmlformats.org/officeDocument/2006/customXml" ds:itemID="{4555E040-F903-4557-B5BA-FEEA81916D11}">
+  <ds:schemaRefs>
+    <ds:schemaRef ds:uri="http://schemas.microsoft.com/sharepoint/v3/contenttype/forms"/>
+  </ds:schemaRefs>
+</ds:datastoreItem>
 </file>
 
-<file path=customXml/itemProps1.xml><?xml version="1.0" encoding="utf-8"?>
+<file path=customXml/itemProps3.xml><?xml version="1.0" encoding="utf-8"?>
 <ds:datastoreItem xmlns:ds="http://schemas.openxmlformats.org/officeDocument/2006/customXml" ds:itemID="{47B0B96C-27C4-4CB7-95AA-6F7118EE0252}">
   <ds:schemaRefs>
     <ds:schemaRef ds:uri="http://schemas.microsoft.com/office/2006/metadata/contentType"/>
@@ -30169,29 +30199,4 @@
     <ds:schemaRef ds:uri="http://schemas.microsoft.com/internal/obd"/>
   </ds:schemaRefs>
 </ds:datastoreItem>
-</file>
-
-<file path=customXml/itemProps2.xml><?xml version="1.0" encoding="utf-8"?>
-<ds:datastoreItem xmlns:ds="http://schemas.openxmlformats.org/officeDocument/2006/customXml" ds:itemID="{4555E040-F903-4557-B5BA-FEEA81916D11}">
-  <ds:schemaRefs>
-    <ds:schemaRef ds:uri="http://schemas.microsoft.com/sharepoint/v3/contenttype/forms"/>
-  </ds:schemaRefs>
-</ds:datastoreItem>
-</file>
-
-<file path=customXml/itemProps3.xml><?xml version="1.0" encoding="utf-8"?>
-<ds:datastoreItem xmlns:ds="http://schemas.openxmlformats.org/officeDocument/2006/customXml" ds:itemID="{E63F9314-2156-4A26-9C7B-3A436590D2E6}">
-  <ds:schemaRefs>
-    <ds:schemaRef ds:uri="http://schemas.microsoft.com/office/2006/documentManagement/types"/>
-    <ds:schemaRef ds:uri="http://www.w3.org/XML/1998/namespace"/>
-    <ds:schemaRef ds:uri="http://schemas.microsoft.com/office/2006/metadata/properties"/>
-    <ds:schemaRef ds:uri="http://purl.org/dc/elements/1.1/"/>
-    <ds:schemaRef ds:uri="http://schemas.openxmlformats.org/package/2006/metadata/core-properties"/>
-    <ds:schemaRef ds:uri="http://purl.org/dc/terms/"/>
-    <ds:schemaRef ds:uri="http://schemas.microsoft.com/office/infopath/2007/PartnerControls"/>
-    <ds:schemaRef ds:uri="f1524577-e775-4792-9e02-59d88675d35f"/>
-    <ds:schemaRef ds:uri="f48e0371-e5a1-4434-9921-99c130702a89"/>
-    <ds:schemaRef ds:uri="http://purl.org/dc/dcmitype/"/>
-  </ds:schemaRefs>
-</ds:datastoreItem>
 </file>